--- a/sys-doc/Easy_Cocktail_Mixing.pptx
+++ b/sys-doc/Easy_Cocktail_Mixing.pptx
@@ -4608,15 +4608,7 @@
             <a:pPr lvl="1"/>
             <a:r>
               <a:rPr lang="de-DE" dirty="0"/>
-              <a:t>ABER: </a:t>
-            </a:r>
-            <a:r>
-              <a:rPr lang="de-DE" dirty="0" err="1"/>
-              <a:t>koplizierter</a:t>
-            </a:r>
-            <a:r>
-              <a:rPr lang="de-DE" dirty="0"/>
-              <a:t> als gedacht</a:t>
+              <a:t>ABER: komplizierter als gedacht</a:t>
             </a:r>
           </a:p>
           <a:p>
@@ -4668,13 +4660,8 @@
             </a:r>
             <a:r>
               <a:rPr lang="de-DE" dirty="0"/>
-              <a:t> </a:t>
-            </a:r>
-            <a:r>
-              <a:rPr lang="de-DE" dirty="0" err="1"/>
-              <a:t>intigriert</a:t>
-            </a:r>
-            <a:endParaRPr lang="de-DE" dirty="0"/>
+              <a:t> integriert</a:t>
+            </a:r>
           </a:p>
           <a:p>
             <a:pPr lvl="2"/>
